--- a/slide/chapter05_02.pptx
+++ b/slide/chapter05_02.pptx
@@ -7013,7 +7013,7 @@
           <a:p>
             <a:r>
               <a:rPr/>
-              <a:t>도움을 받는 방법</a:t>
+              <a:t>문제를 해결하는 법</a:t>
             </a:r>
           </a:p>
         </p:txBody>
@@ -7040,7 +7040,7 @@
           <a:p>
             <a:r>
               <a:rPr/>
-              <a:t>질문하는 법</a:t>
+              <a:t>검색하는 법</a:t>
             </a:r>
           </a:p>
         </p:txBody>
@@ -7119,7 +7119,7 @@
           <a:p>
             <a:r>
               <a:rPr/>
-              <a:t>도움을 받는 방법</a:t>
+              <a:t>문제를 해결하는 법</a:t>
             </a:r>
           </a:p>
         </p:txBody>
